--- a/test-output-file.pptx
+++ b/test-output-file.pptx
@@ -877,7 +877,7 @@
         <p:spPr>
           <a:xfrm>
             <a:off x="0" y="0"/>
-            <a:ext cx="9906000" cy="139700"/>
+            <a:ext cx="9907158" cy="144018"/>
           </a:xfrm>
           <a:prstGeom prst="rect">
             <a:avLst/>
@@ -896,8 +896,8 @@
         </p:nvSpPr>
         <p:spPr>
           <a:xfrm rot="10800000">
-            <a:off x="7620000" y="101600"/>
-            <a:ext cx="723900" cy="520700"/>
+            <a:off x="7624816" y="104424"/>
+            <a:ext cx="719999" cy="514807"/>
           </a:xfrm>
           <a:prstGeom prst="rtTriangle">
             <a:avLst/>
@@ -916,8 +916,8 @@
         </p:nvSpPr>
         <p:spPr>
           <a:xfrm>
-            <a:off x="8343900" y="0"/>
-            <a:ext cx="1562100" cy="622300"/>
+            <a:off x="8341157" y="0"/>
+            <a:ext cx="1566001" cy="619232"/>
           </a:xfrm>
           <a:prstGeom prst="rect">
             <a:avLst/>
@@ -938,13 +938,14 @@
         </p:nvPicPr>
         <p:blipFill>
           <a:blip r:embed="rId1"/>
-          <a:srcRect l="0" r="0" t="0" b="0"/>
-          <a:stretch/>
+          <a:stretch>
+            <a:fillRect/>
+          </a:stretch>
         </p:blipFill>
         <p:spPr>
           <a:xfrm>
-            <a:off x="8178800" y="127000"/>
-            <a:ext cx="1714500" cy="355600"/>
+            <a:off x="8179217" y="129570"/>
+            <a:ext cx="1717243" cy="359999"/>
           </a:xfrm>
           <a:prstGeom prst="rect">
             <a:avLst/>
@@ -959,8 +960,8 @@
         </p:nvSpPr>
         <p:spPr>
           <a:xfrm>
-            <a:off x="276086" y="301970"/>
-            <a:ext cx="7924768" cy="318743"/>
+            <a:off x="277155" y="302392"/>
+            <a:ext cx="7923642" cy="320406"/>
           </a:xfrm>
           <a:prstGeom prst="rect">
             <a:avLst/>
@@ -1017,8 +1018,8 @@
         </p:nvSpPr>
         <p:spPr>
           <a:xfrm>
-            <a:off x="273050" y="766318"/>
-            <a:ext cx="2311400" cy="368300"/>
+            <a:off x="273588" y="766816"/>
+            <a:ext cx="2397557" cy="3599993"/>
           </a:xfrm>
           <a:prstGeom prst="rect">
             <a:avLst/>
@@ -1053,8 +1054,8 @@
         </p:nvSpPr>
         <p:spPr>
           <a:xfrm>
-            <a:off x="2857500" y="762000"/>
-            <a:ext cx="3022600" cy="177800"/>
+            <a:off x="2861981" y="777606"/>
+            <a:ext cx="3024012" cy="180045"/>
           </a:xfrm>
           <a:prstGeom prst="rect">
             <a:avLst/>
@@ -1098,7 +1099,7 @@
           </p:nvPr>
         </p:nvGraphicFramePr>
         <p:xfrm>
-          <a:off x="2857500" y="990600"/>
+          <a:off x="2858414" y="982797"/>
           <a:ext cx="7429500" cy="914400"/>
         </p:xfrm>
         <a:graphic>
@@ -1106,10 +1107,10 @@
             <a:tbl>
               <a:tblPr/>
               <a:tblGrid>
-                <a:gridCol w="812800"/>
-                <a:gridCol w="2209800"/>
+                <a:gridCol w="809976"/>
+                <a:gridCol w="2214037"/>
               </a:tblGrid>
-              <a:tr h="266700">
+              <a:tr h="237561">
                 <a:tc>
                   <a:txBody>
                     <a:bodyPr/>
@@ -1119,17 +1120,24 @@
                         <a:buNone/>
                       </a:pPr>
                       <a:r>
-                        <a:rPr lang="en-US" sz="900" dirty="0">
+                        <a:rPr lang="en-US" sz="800" b="1" dirty="0">
                           <a:solidFill>
                             <a:srgbClr val="FFFFFF"/>
                           </a:solidFill>
+                          <a:latin typeface="Noto Sans CJK KR Bold (제목)" pitchFamily="34" charset="0"/>
+                          <a:ea typeface="Noto Sans CJK KR Bold (제목)" pitchFamily="34" charset="-122"/>
+                          <a:cs typeface="Noto Sans CJK KR Bold (제목)" pitchFamily="34" charset="-120"/>
                         </a:rPr>
                         <a:t>위치</a:t>
                       </a:r>
-                      <a:endParaRPr lang="en-US" sz="900" dirty="0"/>
+                      <a:endParaRPr lang="en-US" sz="800" dirty="0">
+                        <a:latin typeface="Noto Sans CJK KR Bold (제목)" charset="0"/>
+                        <a:ea typeface="Noto Sans CJK KR Bold (제목)" charset="0"/>
+                        <a:cs typeface="Noto Sans CJK KR Bold (제목)" charset="0"/>
+                      </a:endParaRPr>
                     </a:p>
                   </a:txBody>
-                  <a:tcPr marL="91440" marR="91440" marT="45720" marB="45720" anchor="ctr">
+                  <a:tcPr marL="0" marR="0" marT="0" marB="0" anchor="ctr">
                     <a:lnL w="0" cap="flat" cmpd="sng" algn="ctr">
                       <a:noFill/>
                     </a:lnL>
@@ -1198,7 +1206,7 @@
                       <a:solidFill>
                         <a:srgbClr val="808080"/>
                       </a:solidFill>
-                      <a:prstDash val="sysDash"/>
+                      <a:prstDash val="solid"/>
                       <a:round/>
                       <a:headEnd type="none" w="med" len="med"/>
                       <a:tailEnd type="none" w="med" len="med"/>
@@ -1206,7 +1214,7 @@
                   </a:tcPr>
                 </a:tc>
               </a:tr>
-              <a:tr h="266700">
+              <a:tr h="237561">
                 <a:tc>
                   <a:txBody>
                     <a:bodyPr/>
@@ -1216,17 +1224,24 @@
                         <a:buNone/>
                       </a:pPr>
                       <a:r>
-                        <a:rPr lang="en-US" sz="900" dirty="0">
+                        <a:rPr lang="en-US" sz="800" b="1" dirty="0">
                           <a:solidFill>
                             <a:srgbClr val="FFFFFF"/>
                           </a:solidFill>
+                          <a:latin typeface="Noto Sans CJK KR Bold (제목)" pitchFamily="34" charset="0"/>
+                          <a:ea typeface="Noto Sans CJK KR Bold (제목)" pitchFamily="34" charset="-122"/>
+                          <a:cs typeface="Noto Sans CJK KR Bold (제목)" pitchFamily="34" charset="-120"/>
                         </a:rPr>
                         <a:t>교통</a:t>
                       </a:r>
-                      <a:endParaRPr lang="en-US" sz="900" dirty="0"/>
+                      <a:endParaRPr lang="en-US" sz="800" dirty="0">
+                        <a:latin typeface="Noto Sans CJK KR Bold (제목)" charset="0"/>
+                        <a:ea typeface="Noto Sans CJK KR Bold (제목)" charset="0"/>
+                        <a:cs typeface="Noto Sans CJK KR Bold (제목)" charset="0"/>
+                      </a:endParaRPr>
                     </a:p>
                   </a:txBody>
-                  <a:tcPr marL="91440" marR="91440" marT="45720" marB="45720" anchor="ctr">
+                  <a:tcPr marL="0" marR="0" marT="0" marB="0" anchor="ctr">
                     <a:lnL w="0" cap="flat" cmpd="sng" algn="ctr">
                       <a:noFill/>
                     </a:lnL>
@@ -1283,7 +1298,7 @@
                       <a:solidFill>
                         <a:srgbClr val="808080"/>
                       </a:solidFill>
-                      <a:prstDash val="sysDash"/>
+                      <a:prstDash val="solid"/>
                       <a:round/>
                       <a:headEnd type="none" w="med" len="med"/>
                       <a:tailEnd type="none" w="med" len="med"/>
@@ -1291,7 +1306,7 @@
                   </a:tcPr>
                 </a:tc>
               </a:tr>
-              <a:tr h="266700">
+              <a:tr h="237561">
                 <a:tc>
                   <a:txBody>
                     <a:bodyPr/>
@@ -1301,17 +1316,24 @@
                         <a:buNone/>
                       </a:pPr>
                       <a:r>
-                        <a:rPr lang="en-US" sz="900" dirty="0">
+                        <a:rPr lang="en-US" sz="800" b="1" dirty="0">
                           <a:solidFill>
                             <a:srgbClr val="FFFFFF"/>
                           </a:solidFill>
+                          <a:latin typeface="Noto Sans CJK KR Bold (제목)" pitchFamily="34" charset="0"/>
+                          <a:ea typeface="Noto Sans CJK KR Bold (제목)" pitchFamily="34" charset="-122"/>
+                          <a:cs typeface="Noto Sans CJK KR Bold (제목)" pitchFamily="34" charset="-120"/>
                         </a:rPr>
                         <a:t>연면적</a:t>
                       </a:r>
-                      <a:endParaRPr lang="en-US" sz="900" dirty="0"/>
+                      <a:endParaRPr lang="en-US" sz="800" dirty="0">
+                        <a:latin typeface="Noto Sans CJK KR Bold (제목)" charset="0"/>
+                        <a:ea typeface="Noto Sans CJK KR Bold (제목)" charset="0"/>
+                        <a:cs typeface="Noto Sans CJK KR Bold (제목)" charset="0"/>
+                      </a:endParaRPr>
                     </a:p>
                   </a:txBody>
-                  <a:tcPr marL="91440" marR="91440" marT="45720" marB="45720" anchor="ctr">
+                  <a:tcPr marL="0" marR="0" marT="0" marB="0" anchor="ctr">
                     <a:lnL w="0" cap="flat" cmpd="sng" algn="ctr">
                       <a:noFill/>
                     </a:lnL>
@@ -1349,7 +1371,7 @@
                             <a:srgbClr val="000000"/>
                           </a:solidFill>
                         </a:rPr>
-                        <a:t>{totalAreaM2}㎡</a:t>
+                        <a:t>{totalAreaM2}㎡ ({totalArea}평)</a:t>
                       </a:r>
                       <a:endParaRPr lang="en-US" sz="800" dirty="0"/>
                     </a:p>
@@ -1368,7 +1390,1011 @@
                       <a:solidFill>
                         <a:srgbClr val="808080"/>
                       </a:solidFill>
-                      <a:prstDash val="sysDash"/>
+                      <a:prstDash val="solid"/>
+                      <a:round/>
+                      <a:headEnd type="none" w="med" len="med"/>
+                      <a:tailEnd type="none" w="med" len="med"/>
+                    </a:lnB>
+                  </a:tcPr>
+                </a:tc>
+              </a:tr>
+              <a:tr h="237561">
+                <a:tc>
+                  <a:txBody>
+                    <a:bodyPr/>
+                    <a:lstStyle/>
+                    <a:p>
+                      <a:pPr algn="ctr" indent="0" marL="0">
+                        <a:buNone/>
+                      </a:pPr>
+                      <a:r>
+                        <a:rPr lang="en-US" sz="800" b="1" dirty="0">
+                          <a:solidFill>
+                            <a:srgbClr val="FFFFFF"/>
+                          </a:solidFill>
+                          <a:latin typeface="Noto Sans CJK KR Bold (제목)" pitchFamily="34" charset="0"/>
+                          <a:ea typeface="Noto Sans CJK KR Bold (제목)" pitchFamily="34" charset="-122"/>
+                          <a:cs typeface="Noto Sans CJK KR Bold (제목)" pitchFamily="34" charset="-120"/>
+                        </a:rPr>
+                        <a:t>빌딩 규모</a:t>
+                      </a:r>
+                      <a:endParaRPr lang="en-US" sz="800" dirty="0">
+                        <a:latin typeface="Noto Sans CJK KR Bold (제목)" charset="0"/>
+                        <a:ea typeface="Noto Sans CJK KR Bold (제목)" charset="0"/>
+                        <a:cs typeface="Noto Sans CJK KR Bold (제목)" charset="0"/>
+                      </a:endParaRPr>
+                    </a:p>
+                  </a:txBody>
+                  <a:tcPr marL="0" marR="0" marT="0" marB="0" anchor="ctr">
+                    <a:lnL w="0" cap="flat" cmpd="sng" algn="ctr">
+                      <a:noFill/>
+                    </a:lnL>
+                    <a:lnR w="0" cap="flat" cmpd="sng" algn="ctr">
+                      <a:noFill/>
+                    </a:lnR>
+                    <a:lnT w="0" cap="flat" cmpd="sng" algn="ctr">
+                      <a:noFill/>
+                    </a:lnT>
+                    <a:lnB w="9525" cap="flat" cmpd="sng" algn="ctr">
+                      <a:solidFill>
+                        <a:srgbClr val="FFFFFF"/>
+                      </a:solidFill>
+                      <a:prstDash val="solid"/>
+                      <a:round/>
+                      <a:headEnd type="none" w="med" len="med"/>
+                      <a:tailEnd type="none" w="med" len="med"/>
+                    </a:lnB>
+                    <a:solidFill>
+                      <a:srgbClr val="808080"/>
+                    </a:solidFill>
+                  </a:tcPr>
+                </a:tc>
+                <a:tc>
+                  <a:txBody>
+                    <a:bodyPr/>
+                    <a:lstStyle/>
+                    <a:p>
+                      <a:pPr algn="ctr" indent="0" marL="0">
+                        <a:buNone/>
+                      </a:pPr>
+                      <a:r>
+                        <a:rPr lang="en-US" sz="800" dirty="0">
+                          <a:solidFill>
+                            <a:srgbClr val="000000"/>
+                          </a:solidFill>
+                        </a:rPr>
+                        <a:t>지상 {floorCount}층 / 지하 {basementCount}층</a:t>
+                      </a:r>
+                      <a:endParaRPr lang="en-US" sz="800" dirty="0"/>
+                    </a:p>
+                  </a:txBody>
+                  <a:tcPr marL="91440" marR="91440" marT="45720" marB="45720" anchor="ctr">
+                    <a:lnL w="0" cap="flat" cmpd="sng" algn="ctr">
+                      <a:noFill/>
+                    </a:lnL>
+                    <a:lnR w="0" cap="flat" cmpd="sng" algn="ctr">
+                      <a:noFill/>
+                    </a:lnR>
+                    <a:lnT w="0" cap="flat" cmpd="sng" algn="ctr">
+                      <a:noFill/>
+                    </a:lnT>
+                    <a:lnB w="9525" cap="flat" cmpd="sng" algn="ctr">
+                      <a:solidFill>
+                        <a:srgbClr val="808080"/>
+                      </a:solidFill>
+                      <a:prstDash val="solid"/>
+                      <a:round/>
+                      <a:headEnd type="none" w="med" len="med"/>
+                      <a:tailEnd type="none" w="med" len="med"/>
+                    </a:lnB>
+                  </a:tcPr>
+                </a:tc>
+              </a:tr>
+              <a:tr h="237561">
+                <a:tc>
+                  <a:txBody>
+                    <a:bodyPr/>
+                    <a:lstStyle/>
+                    <a:p>
+                      <a:pPr algn="ctr" indent="0" marL="0">
+                        <a:buNone/>
+                      </a:pPr>
+                      <a:r>
+                        <a:rPr lang="en-US" sz="800" b="1" dirty="0">
+                          <a:solidFill>
+                            <a:srgbClr val="FFFFFF"/>
+                          </a:solidFill>
+                          <a:latin typeface="Noto Sans CJK KR Bold (제목)" pitchFamily="34" charset="0"/>
+                          <a:ea typeface="Noto Sans CJK KR Bold (제목)" pitchFamily="34" charset="-122"/>
+                          <a:cs typeface="Noto Sans CJK KR Bold (제목)" pitchFamily="34" charset="-120"/>
+                        </a:rPr>
+                        <a:t>건축물 용도</a:t>
+                      </a:r>
+                      <a:endParaRPr lang="en-US" sz="800" dirty="0">
+                        <a:latin typeface="Noto Sans CJK KR Bold (제목)" charset="0"/>
+                        <a:ea typeface="Noto Sans CJK KR Bold (제목)" charset="0"/>
+                        <a:cs typeface="Noto Sans CJK KR Bold (제목)" charset="0"/>
+                      </a:endParaRPr>
+                    </a:p>
+                  </a:txBody>
+                  <a:tcPr marL="0" marR="0" marT="0" marB="0" anchor="ctr">
+                    <a:lnL w="0" cap="flat" cmpd="sng" algn="ctr">
+                      <a:noFill/>
+                    </a:lnL>
+                    <a:lnR w="0" cap="flat" cmpd="sng" algn="ctr">
+                      <a:noFill/>
+                    </a:lnR>
+                    <a:lnT w="0" cap="flat" cmpd="sng" algn="ctr">
+                      <a:noFill/>
+                    </a:lnT>
+                    <a:lnB w="9525" cap="flat" cmpd="sng" algn="ctr">
+                      <a:solidFill>
+                        <a:srgbClr val="FFFFFF"/>
+                      </a:solidFill>
+                      <a:prstDash val="solid"/>
+                      <a:round/>
+                      <a:headEnd type="none" w="med" len="med"/>
+                      <a:tailEnd type="none" w="med" len="med"/>
+                    </a:lnB>
+                    <a:solidFill>
+                      <a:srgbClr val="808080"/>
+                    </a:solidFill>
+                  </a:tcPr>
+                </a:tc>
+                <a:tc>
+                  <a:txBody>
+                    <a:bodyPr/>
+                    <a:lstStyle/>
+                    <a:p>
+                      <a:pPr algn="ctr" indent="0" marL="0">
+                        <a:buNone/>
+                      </a:pPr>
+                      <a:r>
+                        <a:rPr lang="en-US" sz="800" dirty="0">
+                          <a:solidFill>
+                            <a:srgbClr val="000000"/>
+                          </a:solidFill>
+                        </a:rPr>
+                        <a:t>{mainPurpose}</a:t>
+                      </a:r>
+                      <a:endParaRPr lang="en-US" sz="800" dirty="0"/>
+                    </a:p>
+                  </a:txBody>
+                  <a:tcPr marL="91440" marR="91440" marT="45720" marB="45720" anchor="ctr">
+                    <a:lnL w="0" cap="flat" cmpd="sng" algn="ctr">
+                      <a:noFill/>
+                    </a:lnL>
+                    <a:lnR w="0" cap="flat" cmpd="sng" algn="ctr">
+                      <a:noFill/>
+                    </a:lnR>
+                    <a:lnT w="0" cap="flat" cmpd="sng" algn="ctr">
+                      <a:noFill/>
+                    </a:lnT>
+                    <a:lnB w="9525" cap="flat" cmpd="sng" algn="ctr">
+                      <a:solidFill>
+                        <a:srgbClr val="808080"/>
+                      </a:solidFill>
+                      <a:prstDash val="solid"/>
+                      <a:round/>
+                      <a:headEnd type="none" w="med" len="med"/>
+                      <a:tailEnd type="none" w="med" len="med"/>
+                    </a:lnB>
+                  </a:tcPr>
+                </a:tc>
+              </a:tr>
+              <a:tr h="237561">
+                <a:tc>
+                  <a:txBody>
+                    <a:bodyPr/>
+                    <a:lstStyle/>
+                    <a:p>
+                      <a:pPr algn="ctr" indent="0" marL="0">
+                        <a:buNone/>
+                      </a:pPr>
+                      <a:r>
+                        <a:rPr lang="en-US" sz="800" b="1" dirty="0">
+                          <a:solidFill>
+                            <a:srgbClr val="FFFFFF"/>
+                          </a:solidFill>
+                          <a:latin typeface="Noto Sans CJK KR Bold (제목)" pitchFamily="34" charset="0"/>
+                          <a:ea typeface="Noto Sans CJK KR Bold (제목)" pitchFamily="34" charset="-122"/>
+                          <a:cs typeface="Noto Sans CJK KR Bold (제목)" pitchFamily="34" charset="-120"/>
+                        </a:rPr>
+                        <a:t>주 출입구 방향</a:t>
+                      </a:r>
+                      <a:endParaRPr lang="en-US" sz="800" dirty="0">
+                        <a:latin typeface="Noto Sans CJK KR Bold (제목)" charset="0"/>
+                        <a:ea typeface="Noto Sans CJK KR Bold (제목)" charset="0"/>
+                        <a:cs typeface="Noto Sans CJK KR Bold (제목)" charset="0"/>
+                      </a:endParaRPr>
+                    </a:p>
+                  </a:txBody>
+                  <a:tcPr marL="0" marR="0" marT="0" marB="0" anchor="ctr">
+                    <a:lnL w="0" cap="flat" cmpd="sng" algn="ctr">
+                      <a:noFill/>
+                    </a:lnL>
+                    <a:lnR w="0" cap="flat" cmpd="sng" algn="ctr">
+                      <a:noFill/>
+                    </a:lnR>
+                    <a:lnT w="0" cap="flat" cmpd="sng" algn="ctr">
+                      <a:noFill/>
+                    </a:lnT>
+                    <a:lnB w="9525" cap="flat" cmpd="sng" algn="ctr">
+                      <a:solidFill>
+                        <a:srgbClr val="FFFFFF"/>
+                      </a:solidFill>
+                      <a:prstDash val="solid"/>
+                      <a:round/>
+                      <a:headEnd type="none" w="med" len="med"/>
+                      <a:tailEnd type="none" w="med" len="med"/>
+                    </a:lnB>
+                    <a:solidFill>
+                      <a:srgbClr val="808080"/>
+                    </a:solidFill>
+                  </a:tcPr>
+                </a:tc>
+                <a:tc>
+                  <a:txBody>
+                    <a:bodyPr/>
+                    <a:lstStyle/>
+                    <a:p>
+                      <a:pPr algn="ctr" indent="0" marL="0">
+                        <a:buNone/>
+                      </a:pPr>
+                      <a:r>
+                        <a:rPr lang="en-US" sz="800" dirty="0">
+                          <a:solidFill>
+                            <a:srgbClr val="000000"/>
+                          </a:solidFill>
+                        </a:rPr>
+                        <a:t>{buildingDirection}</a:t>
+                      </a:r>
+                      <a:endParaRPr lang="en-US" sz="800" dirty="0"/>
+                    </a:p>
+                  </a:txBody>
+                  <a:tcPr marL="91440" marR="91440" marT="45720" marB="45720" anchor="ctr">
+                    <a:lnL w="0" cap="flat" cmpd="sng" algn="ctr">
+                      <a:noFill/>
+                    </a:lnL>
+                    <a:lnR w="0" cap="flat" cmpd="sng" algn="ctr">
+                      <a:noFill/>
+                    </a:lnR>
+                    <a:lnT w="0" cap="flat" cmpd="sng" algn="ctr">
+                      <a:noFill/>
+                    </a:lnT>
+                    <a:lnB w="9525" cap="flat" cmpd="sng" algn="ctr">
+                      <a:solidFill>
+                        <a:srgbClr val="808080"/>
+                      </a:solidFill>
+                      <a:prstDash val="solid"/>
+                      <a:round/>
+                      <a:headEnd type="none" w="med" len="med"/>
+                      <a:tailEnd type="none" w="med" len="med"/>
+                    </a:lnB>
+                  </a:tcPr>
+                </a:tc>
+              </a:tr>
+              <a:tr h="237561">
+                <a:tc>
+                  <a:txBody>
+                    <a:bodyPr/>
+                    <a:lstStyle/>
+                    <a:p>
+                      <a:pPr algn="ctr" indent="0" marL="0">
+                        <a:buNone/>
+                      </a:pPr>
+                      <a:r>
+                        <a:rPr lang="en-US" sz="800" b="1" dirty="0">
+                          <a:solidFill>
+                            <a:srgbClr val="FFFFFF"/>
+                          </a:solidFill>
+                          <a:latin typeface="Noto Sans CJK KR Bold (제목)" pitchFamily="34" charset="0"/>
+                          <a:ea typeface="Noto Sans CJK KR Bold (제목)" pitchFamily="34" charset="-122"/>
+                          <a:cs typeface="Noto Sans CJK KR Bold (제목)" pitchFamily="34" charset="-120"/>
+                        </a:rPr>
+                        <a:t>사용승인일자</a:t>
+                      </a:r>
+                      <a:endParaRPr lang="en-US" sz="800" dirty="0">
+                        <a:latin typeface="Noto Sans CJK KR Bold (제목)" charset="0"/>
+                        <a:ea typeface="Noto Sans CJK KR Bold (제목)" charset="0"/>
+                        <a:cs typeface="Noto Sans CJK KR Bold (제목)" charset="0"/>
+                      </a:endParaRPr>
+                    </a:p>
+                  </a:txBody>
+                  <a:tcPr marL="0" marR="0" marT="0" marB="0" anchor="ctr">
+                    <a:lnL w="0" cap="flat" cmpd="sng" algn="ctr">
+                      <a:noFill/>
+                    </a:lnL>
+                    <a:lnR w="0" cap="flat" cmpd="sng" algn="ctr">
+                      <a:noFill/>
+                    </a:lnR>
+                    <a:lnT w="0" cap="flat" cmpd="sng" algn="ctr">
+                      <a:noFill/>
+                    </a:lnT>
+                    <a:lnB w="9525" cap="flat" cmpd="sng" algn="ctr">
+                      <a:solidFill>
+                        <a:srgbClr val="FFFFFF"/>
+                      </a:solidFill>
+                      <a:prstDash val="solid"/>
+                      <a:round/>
+                      <a:headEnd type="none" w="med" len="med"/>
+                      <a:tailEnd type="none" w="med" len="med"/>
+                    </a:lnB>
+                    <a:solidFill>
+                      <a:srgbClr val="808080"/>
+                    </a:solidFill>
+                  </a:tcPr>
+                </a:tc>
+                <a:tc>
+                  <a:txBody>
+                    <a:bodyPr/>
+                    <a:lstStyle/>
+                    <a:p>
+                      <a:pPr algn="ctr" indent="0" marL="0">
+                        <a:buNone/>
+                      </a:pPr>
+                      <a:r>
+                        <a:rPr lang="en-US" sz="800" dirty="0">
+                          <a:solidFill>
+                            <a:srgbClr val="000000"/>
+                          </a:solidFill>
+                        </a:rPr>
+                        <a:t>{completedConstructDate}{#remodelingYear &gt; 0} / {remodelingYear} 리모델링{/}</a:t>
+                      </a:r>
+                      <a:endParaRPr lang="en-US" sz="800" dirty="0"/>
+                    </a:p>
+                  </a:txBody>
+                  <a:tcPr marL="91440" marR="91440" marT="45720" marB="45720" anchor="ctr">
+                    <a:lnL w="0" cap="flat" cmpd="sng" algn="ctr">
+                      <a:noFill/>
+                    </a:lnL>
+                    <a:lnR w="0" cap="flat" cmpd="sng" algn="ctr">
+                      <a:noFill/>
+                    </a:lnR>
+                    <a:lnT w="0" cap="flat" cmpd="sng" algn="ctr">
+                      <a:noFill/>
+                    </a:lnT>
+                    <a:lnB w="9525" cap="flat" cmpd="sng" algn="ctr">
+                      <a:solidFill>
+                        <a:srgbClr val="808080"/>
+                      </a:solidFill>
+                      <a:prstDash val="solid"/>
+                      <a:round/>
+                      <a:headEnd type="none" w="med" len="med"/>
+                      <a:tailEnd type="none" w="med" len="med"/>
+                    </a:lnB>
+                  </a:tcPr>
+                </a:tc>
+              </a:tr>
+              <a:tr h="237561">
+                <a:tc>
+                  <a:txBody>
+                    <a:bodyPr/>
+                    <a:lstStyle/>
+                    <a:p>
+                      <a:pPr algn="ctr" indent="0" marL="0">
+                        <a:buNone/>
+                      </a:pPr>
+                      <a:r>
+                        <a:rPr lang="en-US" sz="800" b="1" dirty="0">
+                          <a:solidFill>
+                            <a:srgbClr val="FFFFFF"/>
+                          </a:solidFill>
+                          <a:latin typeface="Noto Sans CJK KR Bold (제목)" pitchFamily="34" charset="0"/>
+                          <a:ea typeface="Noto Sans CJK KR Bold (제목)" pitchFamily="34" charset="-122"/>
+                          <a:cs typeface="Noto Sans CJK KR Bold (제목)" pitchFamily="34" charset="-120"/>
+                        </a:rPr>
+                        <a:t>전용률</a:t>
+                      </a:r>
+                      <a:endParaRPr lang="en-US" sz="800" dirty="0">
+                        <a:latin typeface="Noto Sans CJK KR Bold (제목)" charset="0"/>
+                        <a:ea typeface="Noto Sans CJK KR Bold (제목)" charset="0"/>
+                        <a:cs typeface="Noto Sans CJK KR Bold (제목)" charset="0"/>
+                      </a:endParaRPr>
+                    </a:p>
+                  </a:txBody>
+                  <a:tcPr marL="0" marR="0" marT="0" marB="0" anchor="ctr">
+                    <a:lnL w="0" cap="flat" cmpd="sng" algn="ctr">
+                      <a:noFill/>
+                    </a:lnL>
+                    <a:lnR w="0" cap="flat" cmpd="sng" algn="ctr">
+                      <a:noFill/>
+                    </a:lnR>
+                    <a:lnT w="0" cap="flat" cmpd="sng" algn="ctr">
+                      <a:noFill/>
+                    </a:lnT>
+                    <a:lnB w="9525" cap="flat" cmpd="sng" algn="ctr">
+                      <a:solidFill>
+                        <a:srgbClr val="FFFFFF"/>
+                      </a:solidFill>
+                      <a:prstDash val="solid"/>
+                      <a:round/>
+                      <a:headEnd type="none" w="med" len="med"/>
+                      <a:tailEnd type="none" w="med" len="med"/>
+                    </a:lnB>
+                    <a:solidFill>
+                      <a:srgbClr val="808080"/>
+                    </a:solidFill>
+                  </a:tcPr>
+                </a:tc>
+                <a:tc>
+                  <a:txBody>
+                    <a:bodyPr/>
+                    <a:lstStyle/>
+                    <a:p>
+                      <a:pPr algn="ctr" indent="0" marL="0">
+                        <a:buNone/>
+                      </a:pPr>
+                      <a:r>
+                        <a:rPr lang="en-US" sz="800" dirty="0">
+                          <a:solidFill>
+                            <a:srgbClr val="000000"/>
+                          </a:solidFill>
+                        </a:rPr>
+                        <a:t>{exclusiveRate}%</a:t>
+                      </a:r>
+                      <a:endParaRPr lang="en-US" sz="800" dirty="0"/>
+                    </a:p>
+                  </a:txBody>
+                  <a:tcPr marL="91440" marR="91440" marT="45720" marB="45720" anchor="ctr">
+                    <a:lnL w="0" cap="flat" cmpd="sng" algn="ctr">
+                      <a:noFill/>
+                    </a:lnL>
+                    <a:lnR w="0" cap="flat" cmpd="sng" algn="ctr">
+                      <a:noFill/>
+                    </a:lnR>
+                    <a:lnT w="0" cap="flat" cmpd="sng" algn="ctr">
+                      <a:noFill/>
+                    </a:lnT>
+                    <a:lnB w="9525" cap="flat" cmpd="sng" algn="ctr">
+                      <a:solidFill>
+                        <a:srgbClr val="808080"/>
+                      </a:solidFill>
+                      <a:prstDash val="solid"/>
+                      <a:round/>
+                      <a:headEnd type="none" w="med" len="med"/>
+                      <a:tailEnd type="none" w="med" len="med"/>
+                    </a:lnB>
+                  </a:tcPr>
+                </a:tc>
+              </a:tr>
+              <a:tr h="237561">
+                <a:tc>
+                  <a:txBody>
+                    <a:bodyPr/>
+                    <a:lstStyle/>
+                    <a:p>
+                      <a:pPr algn="ctr" indent="0" marL="0">
+                        <a:buNone/>
+                      </a:pPr>
+                      <a:r>
+                        <a:rPr lang="en-US" sz="800" b="1" dirty="0">
+                          <a:solidFill>
+                            <a:srgbClr val="FFFFFF"/>
+                          </a:solidFill>
+                          <a:latin typeface="Noto Sans CJK KR Bold (제목)" pitchFamily="34" charset="0"/>
+                          <a:ea typeface="Noto Sans CJK KR Bold (제목)" pitchFamily="34" charset="-122"/>
+                          <a:cs typeface="Noto Sans CJK KR Bold (제목)" pitchFamily="34" charset="-120"/>
+                        </a:rPr>
+                        <a:t>기준층 임대 면적</a:t>
+                      </a:r>
+                      <a:endParaRPr lang="en-US" sz="800" dirty="0">
+                        <a:latin typeface="Noto Sans CJK KR Bold (제목)" charset="0"/>
+                        <a:ea typeface="Noto Sans CJK KR Bold (제목)" charset="0"/>
+                        <a:cs typeface="Noto Sans CJK KR Bold (제목)" charset="0"/>
+                      </a:endParaRPr>
+                    </a:p>
+                  </a:txBody>
+                  <a:tcPr marL="0" marR="0" marT="0" marB="0" anchor="ctr">
+                    <a:lnL w="0" cap="flat" cmpd="sng" algn="ctr">
+                      <a:noFill/>
+                    </a:lnL>
+                    <a:lnR w="0" cap="flat" cmpd="sng" algn="ctr">
+                      <a:noFill/>
+                    </a:lnR>
+                    <a:lnT w="0" cap="flat" cmpd="sng" algn="ctr">
+                      <a:noFill/>
+                    </a:lnT>
+                    <a:lnB w="9525" cap="flat" cmpd="sng" algn="ctr">
+                      <a:solidFill>
+                        <a:srgbClr val="FFFFFF"/>
+                      </a:solidFill>
+                      <a:prstDash val="solid"/>
+                      <a:round/>
+                      <a:headEnd type="none" w="med" len="med"/>
+                      <a:tailEnd type="none" w="med" len="med"/>
+                    </a:lnB>
+                    <a:solidFill>
+                      <a:srgbClr val="808080"/>
+                    </a:solidFill>
+                  </a:tcPr>
+                </a:tc>
+                <a:tc>
+                  <a:txBody>
+                    <a:bodyPr/>
+                    <a:lstStyle/>
+                    <a:p>
+                      <a:pPr algn="ctr" indent="0" marL="0">
+                        <a:buNone/>
+                      </a:pPr>
+                      <a:r>
+                        <a:rPr lang="en-US" sz="800" dirty="0">
+                          <a:solidFill>
+                            <a:srgbClr val="000000"/>
+                          </a:solidFill>
+                        </a:rPr>
+                        <a:t>{standardLeasableAreaM2}㎡ ({standardLeasableArea}평)</a:t>
+                      </a:r>
+                      <a:endParaRPr lang="en-US" sz="800" dirty="0"/>
+                    </a:p>
+                  </a:txBody>
+                  <a:tcPr marL="91440" marR="91440" marT="45720" marB="45720" anchor="ctr">
+                    <a:lnL w="0" cap="flat" cmpd="sng" algn="ctr">
+                      <a:noFill/>
+                    </a:lnL>
+                    <a:lnR w="0" cap="flat" cmpd="sng" algn="ctr">
+                      <a:noFill/>
+                    </a:lnR>
+                    <a:lnT w="0" cap="flat" cmpd="sng" algn="ctr">
+                      <a:noFill/>
+                    </a:lnT>
+                    <a:lnB w="9525" cap="flat" cmpd="sng" algn="ctr">
+                      <a:solidFill>
+                        <a:srgbClr val="808080"/>
+                      </a:solidFill>
+                      <a:prstDash val="solid"/>
+                      <a:round/>
+                      <a:headEnd type="none" w="med" len="med"/>
+                      <a:tailEnd type="none" w="med" len="med"/>
+                    </a:lnB>
+                  </a:tcPr>
+                </a:tc>
+              </a:tr>
+              <a:tr h="237561">
+                <a:tc>
+                  <a:txBody>
+                    <a:bodyPr/>
+                    <a:lstStyle/>
+                    <a:p>
+                      <a:pPr algn="ctr" indent="0" marL="0">
+                        <a:buNone/>
+                      </a:pPr>
+                      <a:r>
+                        <a:rPr lang="en-US" sz="800" b="1" dirty="0">
+                          <a:solidFill>
+                            <a:srgbClr val="FFFFFF"/>
+                          </a:solidFill>
+                          <a:latin typeface="Noto Sans CJK KR Bold (제목)" pitchFamily="34" charset="0"/>
+                          <a:ea typeface="Noto Sans CJK KR Bold (제목)" pitchFamily="34" charset="-122"/>
+                          <a:cs typeface="Noto Sans CJK KR Bold (제목)" pitchFamily="34" charset="-120"/>
+                        </a:rPr>
+                        <a:t>기준층 전용 면적</a:t>
+                      </a:r>
+                      <a:endParaRPr lang="en-US" sz="800" dirty="0">
+                        <a:latin typeface="Noto Sans CJK KR Bold (제목)" charset="0"/>
+                        <a:ea typeface="Noto Sans CJK KR Bold (제목)" charset="0"/>
+                        <a:cs typeface="Noto Sans CJK KR Bold (제목)" charset="0"/>
+                      </a:endParaRPr>
+                    </a:p>
+                  </a:txBody>
+                  <a:tcPr marL="0" marR="0" marT="0" marB="0" anchor="ctr">
+                    <a:lnL w="0" cap="flat" cmpd="sng" algn="ctr">
+                      <a:noFill/>
+                    </a:lnL>
+                    <a:lnR w="0" cap="flat" cmpd="sng" algn="ctr">
+                      <a:noFill/>
+                    </a:lnR>
+                    <a:lnT w="0" cap="flat" cmpd="sng" algn="ctr">
+                      <a:noFill/>
+                    </a:lnT>
+                    <a:lnB w="9525" cap="flat" cmpd="sng" algn="ctr">
+                      <a:solidFill>
+                        <a:srgbClr val="FFFFFF"/>
+                      </a:solidFill>
+                      <a:prstDash val="solid"/>
+                      <a:round/>
+                      <a:headEnd type="none" w="med" len="med"/>
+                      <a:tailEnd type="none" w="med" len="med"/>
+                    </a:lnB>
+                    <a:solidFill>
+                      <a:srgbClr val="808080"/>
+                    </a:solidFill>
+                  </a:tcPr>
+                </a:tc>
+                <a:tc>
+                  <a:txBody>
+                    <a:bodyPr/>
+                    <a:lstStyle/>
+                    <a:p>
+                      <a:pPr algn="ctr" indent="0" marL="0">
+                        <a:buNone/>
+                      </a:pPr>
+                      <a:r>
+                        <a:rPr lang="en-US" sz="800" dirty="0">
+                          <a:solidFill>
+                            <a:srgbClr val="000000"/>
+                          </a:solidFill>
+                        </a:rPr>
+                        <a:t>{standardNetLeasableAreaM2}㎡ ({standardNetLeasableArea}평)</a:t>
+                      </a:r>
+                      <a:endParaRPr lang="en-US" sz="800" dirty="0"/>
+                    </a:p>
+                  </a:txBody>
+                  <a:tcPr marL="91440" marR="91440" marT="45720" marB="45720" anchor="ctr">
+                    <a:lnL w="0" cap="flat" cmpd="sng" algn="ctr">
+                      <a:noFill/>
+                    </a:lnL>
+                    <a:lnR w="0" cap="flat" cmpd="sng" algn="ctr">
+                      <a:noFill/>
+                    </a:lnR>
+                    <a:lnT w="0" cap="flat" cmpd="sng" algn="ctr">
+                      <a:noFill/>
+                    </a:lnT>
+                    <a:lnB w="9525" cap="flat" cmpd="sng" algn="ctr">
+                      <a:solidFill>
+                        <a:srgbClr val="808080"/>
+                      </a:solidFill>
+                      <a:prstDash val="solid"/>
+                      <a:round/>
+                      <a:headEnd type="none" w="med" len="med"/>
+                      <a:tailEnd type="none" w="med" len="med"/>
+                    </a:lnB>
+                  </a:tcPr>
+                </a:tc>
+              </a:tr>
+              <a:tr h="237561">
+                <a:tc>
+                  <a:txBody>
+                    <a:bodyPr/>
+                    <a:lstStyle/>
+                    <a:p>
+                      <a:pPr algn="ctr" indent="0" marL="0">
+                        <a:buNone/>
+                      </a:pPr>
+                      <a:r>
+                        <a:rPr lang="en-US" sz="800" b="1" dirty="0">
+                          <a:solidFill>
+                            <a:srgbClr val="FFFFFF"/>
+                          </a:solidFill>
+                          <a:latin typeface="Noto Sans CJK KR Bold (제목)" pitchFamily="34" charset="0"/>
+                          <a:ea typeface="Noto Sans CJK KR Bold (제목)" pitchFamily="34" charset="-122"/>
+                          <a:cs typeface="Noto Sans CJK KR Bold (제목)" pitchFamily="34" charset="-120"/>
+                        </a:rPr>
+                        <a:t>엘리베이터</a:t>
+                      </a:r>
+                      <a:endParaRPr lang="en-US" sz="800" dirty="0">
+                        <a:latin typeface="Noto Sans CJK KR Bold (제목)" charset="0"/>
+                        <a:ea typeface="Noto Sans CJK KR Bold (제목)" charset="0"/>
+                        <a:cs typeface="Noto Sans CJK KR Bold (제목)" charset="0"/>
+                      </a:endParaRPr>
+                    </a:p>
+                  </a:txBody>
+                  <a:tcPr marL="0" marR="0" marT="0" marB="0" anchor="ctr">
+                    <a:lnL w="0" cap="flat" cmpd="sng" algn="ctr">
+                      <a:noFill/>
+                    </a:lnL>
+                    <a:lnR w="0" cap="flat" cmpd="sng" algn="ctr">
+                      <a:noFill/>
+                    </a:lnR>
+                    <a:lnT w="0" cap="flat" cmpd="sng" algn="ctr">
+                      <a:noFill/>
+                    </a:lnT>
+                    <a:lnB w="9525" cap="flat" cmpd="sng" algn="ctr">
+                      <a:solidFill>
+                        <a:srgbClr val="FFFFFF"/>
+                      </a:solidFill>
+                      <a:prstDash val="solid"/>
+                      <a:round/>
+                      <a:headEnd type="none" w="med" len="med"/>
+                      <a:tailEnd type="none" w="med" len="med"/>
+                    </a:lnB>
+                    <a:solidFill>
+                      <a:srgbClr val="808080"/>
+                    </a:solidFill>
+                  </a:tcPr>
+                </a:tc>
+                <a:tc>
+                  <a:txBody>
+                    <a:bodyPr/>
+                    <a:lstStyle/>
+                    <a:p>
+                      <a:pPr algn="ctr" indent="0" marL="0">
+                        <a:buNone/>
+                      </a:pPr>
+                      <a:r>
+                        <a:rPr lang="en-US" sz="800" dirty="0">
+                          <a:solidFill>
+                            <a:srgbClr val="000000"/>
+                          </a:solidFill>
+                        </a:rPr>
+                        <a:t>{elevatorTotalCount}대 (일반 {public}대, 화물 {freight}대)</a:t>
+                      </a:r>
+                      <a:endParaRPr lang="en-US" sz="800" dirty="0"/>
+                    </a:p>
+                  </a:txBody>
+                  <a:tcPr marL="91440" marR="91440" marT="45720" marB="45720" anchor="ctr">
+                    <a:lnL w="0" cap="flat" cmpd="sng" algn="ctr">
+                      <a:noFill/>
+                    </a:lnL>
+                    <a:lnR w="0" cap="flat" cmpd="sng" algn="ctr">
+                      <a:noFill/>
+                    </a:lnR>
+                    <a:lnT w="0" cap="flat" cmpd="sng" algn="ctr">
+                      <a:noFill/>
+                    </a:lnT>
+                    <a:lnB w="9525" cap="flat" cmpd="sng" algn="ctr">
+                      <a:solidFill>
+                        <a:srgbClr val="808080"/>
+                      </a:solidFill>
+                      <a:prstDash val="solid"/>
+                      <a:round/>
+                      <a:headEnd type="none" w="med" len="med"/>
+                      <a:tailEnd type="none" w="med" len="med"/>
+                    </a:lnB>
+                  </a:tcPr>
+                </a:tc>
+              </a:tr>
+              <a:tr h="237561">
+                <a:tc>
+                  <a:txBody>
+                    <a:bodyPr/>
+                    <a:lstStyle/>
+                    <a:p>
+                      <a:pPr algn="ctr" indent="0" marL="0">
+                        <a:buNone/>
+                      </a:pPr>
+                      <a:r>
+                        <a:rPr lang="en-US" sz="800" b="1" dirty="0">
+                          <a:solidFill>
+                            <a:srgbClr val="FFFFFF"/>
+                          </a:solidFill>
+                          <a:latin typeface="Noto Sans CJK KR Bold (제목)" pitchFamily="34" charset="0"/>
+                          <a:ea typeface="Noto Sans CJK KR Bold (제목)" pitchFamily="34" charset="-122"/>
+                          <a:cs typeface="Noto Sans CJK KR Bold (제목)" pitchFamily="34" charset="-120"/>
+                        </a:rPr>
+                        <a:t>층당 화장실 개수</a:t>
+                      </a:r>
+                      <a:endParaRPr lang="en-US" sz="800" dirty="0">
+                        <a:latin typeface="Noto Sans CJK KR Bold (제목)" charset="0"/>
+                        <a:ea typeface="Noto Sans CJK KR Bold (제목)" charset="0"/>
+                        <a:cs typeface="Noto Sans CJK KR Bold (제목)" charset="0"/>
+                      </a:endParaRPr>
+                    </a:p>
+                  </a:txBody>
+                  <a:tcPr marL="0" marR="0" marT="0" marB="0" anchor="ctr">
+                    <a:lnL w="0" cap="flat" cmpd="sng" algn="ctr">
+                      <a:noFill/>
+                    </a:lnL>
+                    <a:lnR w="0" cap="flat" cmpd="sng" algn="ctr">
+                      <a:noFill/>
+                    </a:lnR>
+                    <a:lnT w="0" cap="flat" cmpd="sng" algn="ctr">
+                      <a:noFill/>
+                    </a:lnT>
+                    <a:lnB w="9525" cap="flat" cmpd="sng" algn="ctr">
+                      <a:solidFill>
+                        <a:srgbClr val="FFFFFF"/>
+                      </a:solidFill>
+                      <a:prstDash val="solid"/>
+                      <a:round/>
+                      <a:headEnd type="none" w="med" len="med"/>
+                      <a:tailEnd type="none" w="med" len="med"/>
+                    </a:lnB>
+                    <a:solidFill>
+                      <a:srgbClr val="808080"/>
+                    </a:solidFill>
+                  </a:tcPr>
+                </a:tc>
+                <a:tc>
+                  <a:txBody>
+                    <a:bodyPr/>
+                    <a:lstStyle/>
+                    <a:p>
+                      <a:pPr algn="ctr" indent="0" marL="0">
+                        <a:buNone/>
+                      </a:pPr>
+                      <a:endParaRPr lang="en-US" sz="800" dirty="0"/>
+                    </a:p>
+                  </a:txBody>
+                  <a:tcPr marL="91440" marR="91440" marT="45720" marB="45720" anchor="ctr">
+                    <a:lnL w="0" cap="flat" cmpd="sng" algn="ctr">
+                      <a:noFill/>
+                    </a:lnL>
+                    <a:lnR w="0" cap="flat" cmpd="sng" algn="ctr">
+                      <a:noFill/>
+                    </a:lnR>
+                    <a:lnT w="0" cap="flat" cmpd="sng" algn="ctr">
+                      <a:noFill/>
+                    </a:lnT>
+                    <a:lnB w="9525" cap="flat" cmpd="sng" algn="ctr">
+                      <a:solidFill>
+                        <a:srgbClr val="808080"/>
+                      </a:solidFill>
+                      <a:prstDash val="solid"/>
+                      <a:round/>
+                      <a:headEnd type="none" w="med" len="med"/>
+                      <a:tailEnd type="none" w="med" len="med"/>
+                    </a:lnB>
+                  </a:tcPr>
+                </a:tc>
+              </a:tr>
+              <a:tr h="237561">
+                <a:tc>
+                  <a:txBody>
+                    <a:bodyPr/>
+                    <a:lstStyle/>
+                    <a:p>
+                      <a:pPr algn="ctr" indent="0" marL="0">
+                        <a:buNone/>
+                      </a:pPr>
+                      <a:r>
+                        <a:rPr lang="en-US" sz="800" b="1" dirty="0">
+                          <a:solidFill>
+                            <a:srgbClr val="FFFFFF"/>
+                          </a:solidFill>
+                          <a:latin typeface="Noto Sans CJK KR Bold (제목)" pitchFamily="34" charset="0"/>
+                          <a:ea typeface="Noto Sans CJK KR Bold (제목)" pitchFamily="34" charset="-122"/>
+                          <a:cs typeface="Noto Sans CJK KR Bold (제목)" pitchFamily="34" charset="-120"/>
+                        </a:rPr>
+                        <a:t>총 주차 대수</a:t>
+                      </a:r>
+                      <a:endParaRPr lang="en-US" sz="800" dirty="0">
+                        <a:latin typeface="Noto Sans CJK KR Bold (제목)" charset="0"/>
+                        <a:ea typeface="Noto Sans CJK KR Bold (제목)" charset="0"/>
+                        <a:cs typeface="Noto Sans CJK KR Bold (제목)" charset="0"/>
+                      </a:endParaRPr>
+                    </a:p>
+                  </a:txBody>
+                  <a:tcPr marL="0" marR="0" marT="0" marB="0" anchor="ctr">
+                    <a:lnL w="0" cap="flat" cmpd="sng" algn="ctr">
+                      <a:noFill/>
+                    </a:lnL>
+                    <a:lnR w="0" cap="flat" cmpd="sng" algn="ctr">
+                      <a:noFill/>
+                    </a:lnR>
+                    <a:lnT w="0" cap="flat" cmpd="sng" algn="ctr">
+                      <a:noFill/>
+                    </a:lnT>
+                    <a:lnB w="9525" cap="flat" cmpd="sng" algn="ctr">
+                      <a:solidFill>
+                        <a:srgbClr val="FFFFFF"/>
+                      </a:solidFill>
+                      <a:prstDash val="solid"/>
+                      <a:round/>
+                      <a:headEnd type="none" w="med" len="med"/>
+                      <a:tailEnd type="none" w="med" len="med"/>
+                    </a:lnB>
+                    <a:solidFill>
+                      <a:srgbClr val="808080"/>
+                    </a:solidFill>
+                  </a:tcPr>
+                </a:tc>
+                <a:tc>
+                  <a:txBody>
+                    <a:bodyPr/>
+                    <a:lstStyle/>
+                    <a:p>
+                      <a:pPr algn="ctr" indent="0" marL="0">
+                        <a:buNone/>
+                      </a:pPr>
+                      <a:r>
+                        <a:rPr lang="en-US" sz="800" dirty="0">
+                          <a:solidFill>
+                            <a:srgbClr val="000000"/>
+                          </a:solidFill>
+                        </a:rPr>
+                        <a:t>{totalParkingCount}대</a:t>
+                      </a:r>
+                      <a:endParaRPr lang="en-US" sz="800" dirty="0"/>
+                    </a:p>
+                  </a:txBody>
+                  <a:tcPr marL="91440" marR="91440" marT="45720" marB="45720" anchor="ctr">
+                    <a:lnL w="0" cap="flat" cmpd="sng" algn="ctr">
+                      <a:noFill/>
+                    </a:lnL>
+                    <a:lnR w="0" cap="flat" cmpd="sng" algn="ctr">
+                      <a:noFill/>
+                    </a:lnR>
+                    <a:lnT w="0" cap="flat" cmpd="sng" algn="ctr">
+                      <a:noFill/>
+                    </a:lnT>
+                    <a:lnB w="9525" cap="flat" cmpd="sng" algn="ctr">
+                      <a:solidFill>
+                        <a:srgbClr val="808080"/>
+                      </a:solidFill>
+                      <a:prstDash val="solid"/>
+                      <a:round/>
+                      <a:headEnd type="none" w="med" len="med"/>
+                      <a:tailEnd type="none" w="med" len="med"/>
+                    </a:lnB>
+                  </a:tcPr>
+                </a:tc>
+              </a:tr>
+              <a:tr h="237561">
+                <a:tc>
+                  <a:txBody>
+                    <a:bodyPr/>
+                    <a:lstStyle/>
+                    <a:p>
+                      <a:pPr algn="ctr" indent="0" marL="0">
+                        <a:buNone/>
+                      </a:pPr>
+                      <a:r>
+                        <a:rPr lang="en-US" sz="800" b="1" dirty="0">
+                          <a:solidFill>
+                            <a:srgbClr val="FFFFFF"/>
+                          </a:solidFill>
+                          <a:latin typeface="Noto Sans CJK KR Bold (제목)" pitchFamily="34" charset="0"/>
+                          <a:ea typeface="Noto Sans CJK KR Bold (제목)" pitchFamily="34" charset="-122"/>
+                          <a:cs typeface="Noto Sans CJK KR Bold (제목)" pitchFamily="34" charset="-120"/>
+                        </a:rPr>
+                        <a:t>무료 / 유료 주차</a:t>
+                      </a:r>
+                      <a:endParaRPr lang="en-US" sz="800" dirty="0">
+                        <a:latin typeface="Noto Sans CJK KR Bold (제목)" charset="0"/>
+                        <a:ea typeface="Noto Sans CJK KR Bold (제목)" charset="0"/>
+                        <a:cs typeface="Noto Sans CJK KR Bold (제목)" charset="0"/>
+                      </a:endParaRPr>
+                    </a:p>
+                  </a:txBody>
+                  <a:tcPr marL="0" marR="0" marT="0" marB="0" anchor="ctr">
+                    <a:lnL w="0" cap="flat" cmpd="sng" algn="ctr">
+                      <a:noFill/>
+                    </a:lnL>
+                    <a:lnR w="0" cap="flat" cmpd="sng" algn="ctr">
+                      <a:noFill/>
+                    </a:lnR>
+                    <a:lnT w="0" cap="flat" cmpd="sng" algn="ctr">
+                      <a:noFill/>
+                    </a:lnT>
+                    <a:lnB w="9525" cap="flat" cmpd="sng" algn="ctr">
+                      <a:solidFill>
+                        <a:srgbClr val="FFFFFF"/>
+                      </a:solidFill>
+                      <a:prstDash val="solid"/>
+                      <a:round/>
+                      <a:headEnd type="none" w="med" len="med"/>
+                      <a:tailEnd type="none" w="med" len="med"/>
+                    </a:lnB>
+                    <a:solidFill>
+                      <a:srgbClr val="808080"/>
+                    </a:solidFill>
+                  </a:tcPr>
+                </a:tc>
+                <a:tc>
+                  <a:txBody>
+                    <a:bodyPr/>
+                    <a:lstStyle/>
+                    <a:p>
+                      <a:pPr algn="ctr" indent="0" marL="0">
+                        <a:buNone/>
+                      </a:pPr>
+                      <a:r>
+                        <a:rPr lang="en-US" sz="800" dirty="0">
+                          <a:solidFill>
+                            <a:srgbClr val="000000"/>
+                          </a:solidFill>
+                        </a:rPr>
+                        <a:t>{freeParkingDetail} / {paidParkingDetail}</a:t>
+                      </a:r>
+                      <a:endParaRPr lang="en-US" sz="800" dirty="0"/>
+                    </a:p>
+                  </a:txBody>
+                  <a:tcPr marL="91440" marR="91440" marT="45720" marB="45720" anchor="ctr">
+                    <a:lnL w="0" cap="flat" cmpd="sng" algn="ctr">
+                      <a:noFill/>
+                    </a:lnL>
+                    <a:lnR w="0" cap="flat" cmpd="sng" algn="ctr">
+                      <a:noFill/>
+                    </a:lnR>
+                    <a:lnT w="0" cap="flat" cmpd="sng" algn="ctr">
+                      <a:noFill/>
+                    </a:lnT>
+                    <a:lnB w="9525" cap="flat" cmpd="sng" algn="ctr">
+                      <a:solidFill>
+                        <a:srgbClr val="808080"/>
+                      </a:solidFill>
+                      <a:prstDash val="solid"/>
                       <a:round/>
                       <a:headEnd type="none" w="med" len="med"/>
                       <a:tailEnd type="none" w="med" len="med"/>
@@ -1380,6 +2406,44 @@
           </a:graphicData>
         </a:graphic>
       </p:graphicFrame>
+      <p:sp>
+        <p:nvSpPr>
+          <p:cNvPr id="10" name="Text 6"/>
+          <p:cNvSpPr/>
+          <p:nvPr/>
+        </p:nvSpPr>
+        <p:spPr>
+          <a:xfrm>
+            <a:off x="6069604" y="766816"/>
+            <a:ext cx="3563965" cy="180045"/>
+          </a:xfrm>
+          <a:prstGeom prst="rect">
+            <a:avLst/>
+          </a:prstGeom>
+          <a:solidFill>
+            <a:srgbClr val="CF5C5C"/>
+          </a:solidFill>
+          <a:ln/>
+        </p:spPr>
+        <p:txBody>
+          <a:bodyPr wrap="square" rtlCol="0" anchor="ctr"/>
+          <a:lstStyle/>
+          <a:p>
+            <a:pPr algn="ctr" indent="0" marL="0">
+              <a:buNone/>
+            </a:pPr>
+            <a:r>
+              <a:rPr lang="en-US" sz="900" dirty="0">
+                <a:solidFill>
+                  <a:srgbClr val="FFFFFF"/>
+                </a:solidFill>
+              </a:rPr>
+              <a:t>공실 현황</a:t>
+            </a:r>
+            <a:endParaRPr lang="en-US" sz="900" dirty="0"/>
+          </a:p>
+        </p:txBody>
+      </p:sp>
     </p:spTree>
   </p:cSld>
   <p:clrMapOvr>
